--- a/docs/Presentation.pptx
+++ b/docs/Presentation.pptx
@@ -112,6 +112,11 @@
       </a:defRPr>
     </a:lvl9pPr>
   </p:defaultTextStyle>
+  <p:extLst>
+    <p:ext uri="{EFAFB233-063F-42B5-8137-9DF3F51BA10A}">
+      <p15:sldGuideLst xmlns:p15="http://schemas.microsoft.com/office/powerpoint/2012/main"/>
+    </p:ext>
+  </p:extLst>
 </p:presentation>
 </file>
 
@@ -284,6 +289,13 @@
               <a:schemeClr val="lt1"/>
             </a:fontRef>
           </p:style>
+          <p:txBody>
+            <a:bodyPr/>
+            <a:lstStyle/>
+            <a:p>
+              <a:endParaRPr lang="ro-RO"/>
+            </a:p>
+          </p:txBody>
         </p:sp>
         <p:sp>
           <p:nvSpPr>
@@ -347,6 +359,13 @@
               <a:schemeClr val="lt1"/>
             </a:fontRef>
           </p:style>
+          <p:txBody>
+            <a:bodyPr/>
+            <a:lstStyle/>
+            <a:p>
+              <a:endParaRPr lang="ro-RO"/>
+            </a:p>
+          </p:txBody>
         </p:sp>
         <p:sp>
           <p:nvSpPr>
@@ -388,6 +407,13 @@
               <a:schemeClr val="lt1"/>
             </a:fontRef>
           </p:style>
+          <p:txBody>
+            <a:bodyPr/>
+            <a:lstStyle/>
+            <a:p>
+              <a:endParaRPr lang="ro-RO"/>
+            </a:p>
+          </p:txBody>
         </p:sp>
         <p:sp>
           <p:nvSpPr>
@@ -452,6 +478,13 @@
               <a:schemeClr val="lt1"/>
             </a:fontRef>
           </p:style>
+          <p:txBody>
+            <a:bodyPr/>
+            <a:lstStyle/>
+            <a:p>
+              <a:endParaRPr lang="ro-RO"/>
+            </a:p>
+          </p:txBody>
         </p:sp>
         <p:sp>
           <p:nvSpPr>
@@ -517,6 +550,13 @@
               <a:schemeClr val="lt1"/>
             </a:fontRef>
           </p:style>
+          <p:txBody>
+            <a:bodyPr/>
+            <a:lstStyle/>
+            <a:p>
+              <a:endParaRPr lang="ro-RO"/>
+            </a:p>
+          </p:txBody>
         </p:sp>
         <p:sp>
           <p:nvSpPr>
@@ -580,6 +620,13 @@
               <a:schemeClr val="lt1"/>
             </a:fontRef>
           </p:style>
+          <p:txBody>
+            <a:bodyPr/>
+            <a:lstStyle/>
+            <a:p>
+              <a:endParaRPr lang="ro-RO"/>
+            </a:p>
+          </p:txBody>
         </p:sp>
         <p:sp>
           <p:nvSpPr>
@@ -621,6 +668,13 @@
               <a:schemeClr val="lt1"/>
             </a:fontRef>
           </p:style>
+          <p:txBody>
+            <a:bodyPr/>
+            <a:lstStyle/>
+            <a:p>
+              <a:endParaRPr lang="ro-RO"/>
+            </a:p>
+          </p:txBody>
         </p:sp>
         <p:sp>
           <p:nvSpPr>
@@ -662,6 +716,13 @@
               <a:schemeClr val="lt1"/>
             </a:fontRef>
           </p:style>
+          <p:txBody>
+            <a:bodyPr/>
+            <a:lstStyle/>
+            <a:p>
+              <a:endParaRPr lang="ro-RO"/>
+            </a:p>
+          </p:txBody>
         </p:sp>
       </p:grpSp>
       <p:sp>
@@ -695,7 +756,7 @@
           </a:lstStyle>
           <a:p>
             <a:r>
-              <a:rPr lang="en-US" smtClean="0"/>
+              <a:rPr lang="en-US"/>
               <a:t>Click to edit Master title style</a:t>
             </a:r>
             <a:endParaRPr lang="en-US" dirty="0"/>
@@ -815,7 +876,7 @@
           </a:lstStyle>
           <a:p>
             <a:r>
-              <a:rPr lang="en-US" smtClean="0"/>
+              <a:rPr lang="en-US"/>
               <a:t>Click to edit Master subtitle style</a:t>
             </a:r>
             <a:endParaRPr lang="en-US" dirty="0"/>
@@ -941,7 +1002,7 @@
           </a:lstStyle>
           <a:p>
             <a:r>
-              <a:rPr lang="en-US" smtClean="0"/>
+              <a:rPr lang="en-US"/>
               <a:t>Click to edit Master title style</a:t>
             </a:r>
             <a:endParaRPr lang="en-US" dirty="0"/>
@@ -1064,7 +1125,7 @@
           <a:p>
             <a:pPr lvl="0"/>
             <a:r>
-              <a:rPr lang="en-US" smtClean="0"/>
+              <a:rPr lang="en-US"/>
               <a:t>Edit Master text styles</a:t>
             </a:r>
           </a:p>
@@ -1189,7 +1250,7 @@
           </a:lstStyle>
           <a:p>
             <a:r>
-              <a:rPr lang="en-US" smtClean="0"/>
+              <a:rPr lang="en-US"/>
               <a:t>Click to edit Master title style</a:t>
             </a:r>
             <a:endParaRPr lang="en-US" dirty="0"/>
@@ -1253,7 +1314,7 @@
           <a:p>
             <a:pPr lvl="0"/>
             <a:r>
-              <a:rPr lang="en-US" smtClean="0"/>
+              <a:rPr lang="en-US"/>
               <a:t>Edit Master text styles</a:t>
             </a:r>
           </a:p>
@@ -1375,7 +1436,7 @@
           <a:p>
             <a:pPr lvl="0"/>
             <a:r>
-              <a:rPr lang="en-US" smtClean="0"/>
+              <a:rPr lang="en-US"/>
               <a:t>Edit Master text styles</a:t>
             </a:r>
           </a:p>
@@ -1576,7 +1637,7 @@
           </a:lstStyle>
           <a:p>
             <a:r>
-              <a:rPr lang="en-US" smtClean="0"/>
+              <a:rPr lang="en-US"/>
               <a:t>Click to edit Master title style</a:t>
             </a:r>
             <a:endParaRPr lang="en-US" dirty="0"/>
@@ -1699,7 +1760,7 @@
           <a:p>
             <a:pPr lvl="0"/>
             <a:r>
-              <a:rPr lang="en-US" smtClean="0"/>
+              <a:rPr lang="en-US"/>
               <a:t>Edit Master text styles</a:t>
             </a:r>
           </a:p>
@@ -1824,7 +1885,7 @@
           </a:lstStyle>
           <a:p>
             <a:r>
-              <a:rPr lang="en-US" smtClean="0"/>
+              <a:rPr lang="en-US"/>
               <a:t>Click to edit Master title style</a:t>
             </a:r>
             <a:endParaRPr lang="en-US" dirty="0"/>
@@ -1888,7 +1949,7 @@
           <a:p>
             <a:pPr lvl="0"/>
             <a:r>
-              <a:rPr lang="en-US" smtClean="0"/>
+              <a:rPr lang="en-US"/>
               <a:t>Edit Master text styles</a:t>
             </a:r>
           </a:p>
@@ -2010,7 +2071,7 @@
           <a:p>
             <a:pPr lvl="0"/>
             <a:r>
-              <a:rPr lang="en-US" smtClean="0"/>
+              <a:rPr lang="en-US"/>
               <a:t>Edit Master text styles</a:t>
             </a:r>
           </a:p>
@@ -2211,7 +2272,7 @@
           </a:lstStyle>
           <a:p>
             <a:r>
-              <a:rPr lang="en-US" smtClean="0"/>
+              <a:rPr lang="en-US"/>
               <a:t>Click to edit Master title style</a:t>
             </a:r>
             <a:endParaRPr lang="en-US" dirty="0"/>
@@ -2272,7 +2333,7 @@
           <a:p>
             <a:pPr lvl="0"/>
             <a:r>
-              <a:rPr lang="en-US" smtClean="0"/>
+              <a:rPr lang="en-US"/>
               <a:t>Edit Master text styles</a:t>
             </a:r>
           </a:p>
@@ -2394,7 +2455,7 @@
           <a:p>
             <a:pPr lvl="0"/>
             <a:r>
-              <a:rPr lang="en-US" smtClean="0"/>
+              <a:rPr lang="en-US"/>
               <a:t>Edit Master text styles</a:t>
             </a:r>
           </a:p>
@@ -2508,7 +2569,7 @@
           <a:lstStyle/>
           <a:p>
             <a:r>
-              <a:rPr lang="en-US" smtClean="0"/>
+              <a:rPr lang="en-US"/>
               <a:t>Click to edit Master title style</a:t>
             </a:r>
             <a:endParaRPr lang="en-US" dirty="0"/>
@@ -2532,35 +2593,35 @@
           <a:p>
             <a:pPr lvl="0"/>
             <a:r>
-              <a:rPr lang="en-US" smtClean="0"/>
+              <a:rPr lang="en-US"/>
               <a:t>Edit Master text styles</a:t>
             </a:r>
           </a:p>
           <a:p>
             <a:pPr lvl="1"/>
             <a:r>
-              <a:rPr lang="en-US" smtClean="0"/>
+              <a:rPr lang="en-US"/>
               <a:t>Second level</a:t>
             </a:r>
           </a:p>
           <a:p>
             <a:pPr lvl="2"/>
             <a:r>
-              <a:rPr lang="en-US" smtClean="0"/>
+              <a:rPr lang="en-US"/>
               <a:t>Third level</a:t>
             </a:r>
           </a:p>
           <a:p>
             <a:pPr lvl="3"/>
             <a:r>
-              <a:rPr lang="en-US" smtClean="0"/>
+              <a:rPr lang="en-US"/>
               <a:t>Fourth level</a:t>
             </a:r>
           </a:p>
           <a:p>
             <a:pPr lvl="4"/>
             <a:r>
-              <a:rPr lang="en-US" smtClean="0"/>
+              <a:rPr lang="en-US"/>
               <a:t>Fifth level</a:t>
             </a:r>
             <a:endParaRPr lang="en-US" dirty="0"/>
@@ -2678,7 +2739,7 @@
           <a:lstStyle/>
           <a:p>
             <a:r>
-              <a:rPr lang="en-US" smtClean="0"/>
+              <a:rPr lang="en-US"/>
               <a:t>Click to edit Master title style</a:t>
             </a:r>
             <a:endParaRPr lang="en-US" dirty="0"/>
@@ -2707,35 +2768,35 @@
           <a:p>
             <a:pPr lvl="0"/>
             <a:r>
-              <a:rPr lang="en-US" smtClean="0"/>
+              <a:rPr lang="en-US"/>
               <a:t>Edit Master text styles</a:t>
             </a:r>
           </a:p>
           <a:p>
             <a:pPr lvl="1"/>
             <a:r>
-              <a:rPr lang="en-US" smtClean="0"/>
+              <a:rPr lang="en-US"/>
               <a:t>Second level</a:t>
             </a:r>
           </a:p>
           <a:p>
             <a:pPr lvl="2"/>
             <a:r>
-              <a:rPr lang="en-US" smtClean="0"/>
+              <a:rPr lang="en-US"/>
               <a:t>Third level</a:t>
             </a:r>
           </a:p>
           <a:p>
             <a:pPr lvl="3"/>
             <a:r>
-              <a:rPr lang="en-US" smtClean="0"/>
+              <a:rPr lang="en-US"/>
               <a:t>Fourth level</a:t>
             </a:r>
           </a:p>
           <a:p>
             <a:pPr lvl="4"/>
             <a:r>
-              <a:rPr lang="en-US" smtClean="0"/>
+              <a:rPr lang="en-US"/>
               <a:t>Fifth level</a:t>
             </a:r>
             <a:endParaRPr lang="en-US" dirty="0"/>
@@ -2856,7 +2917,7 @@
           </a:lstStyle>
           <a:p>
             <a:r>
-              <a:rPr lang="en-US" smtClean="0"/>
+              <a:rPr lang="en-US"/>
               <a:t>Click to edit Master title style</a:t>
             </a:r>
             <a:endParaRPr lang="en-US" dirty="0"/>
@@ -2880,35 +2941,35 @@
           <a:p>
             <a:pPr lvl="0"/>
             <a:r>
-              <a:rPr lang="en-US" smtClean="0"/>
+              <a:rPr lang="en-US"/>
               <a:t>Edit Master text styles</a:t>
             </a:r>
           </a:p>
           <a:p>
             <a:pPr lvl="1"/>
             <a:r>
-              <a:rPr lang="en-US" smtClean="0"/>
+              <a:rPr lang="en-US"/>
               <a:t>Second level</a:t>
             </a:r>
           </a:p>
           <a:p>
             <a:pPr lvl="2"/>
             <a:r>
-              <a:rPr lang="en-US" smtClean="0"/>
+              <a:rPr lang="en-US"/>
               <a:t>Third level</a:t>
             </a:r>
           </a:p>
           <a:p>
             <a:pPr lvl="3"/>
             <a:r>
-              <a:rPr lang="en-US" smtClean="0"/>
+              <a:rPr lang="en-US"/>
               <a:t>Fourth level</a:t>
             </a:r>
           </a:p>
           <a:p>
             <a:pPr lvl="4"/>
             <a:r>
-              <a:rPr lang="en-US" smtClean="0"/>
+              <a:rPr lang="en-US"/>
               <a:t>Fifth level</a:t>
             </a:r>
             <a:endParaRPr lang="en-US" dirty="0"/>
@@ -3032,7 +3093,7 @@
           </a:lstStyle>
           <a:p>
             <a:r>
-              <a:rPr lang="en-US" smtClean="0"/>
+              <a:rPr lang="en-US"/>
               <a:t>Click to edit Master title style</a:t>
             </a:r>
             <a:endParaRPr lang="en-US" dirty="0"/>
@@ -3153,7 +3214,7 @@
           <a:p>
             <a:pPr lvl="0"/>
             <a:r>
-              <a:rPr lang="en-US" smtClean="0"/>
+              <a:rPr lang="en-US"/>
               <a:t>Edit Master text styles</a:t>
             </a:r>
           </a:p>
@@ -3267,7 +3328,7 @@
           <a:lstStyle/>
           <a:p>
             <a:r>
-              <a:rPr lang="en-US" smtClean="0"/>
+              <a:rPr lang="en-US"/>
               <a:t>Click to edit Master title style</a:t>
             </a:r>
             <a:endParaRPr lang="en-US" dirty="0"/>
@@ -3296,35 +3357,35 @@
           <a:p>
             <a:pPr lvl="0"/>
             <a:r>
-              <a:rPr lang="en-US" smtClean="0"/>
+              <a:rPr lang="en-US"/>
               <a:t>Edit Master text styles</a:t>
             </a:r>
           </a:p>
           <a:p>
             <a:pPr lvl="1"/>
             <a:r>
-              <a:rPr lang="en-US" smtClean="0"/>
+              <a:rPr lang="en-US"/>
               <a:t>Second level</a:t>
             </a:r>
           </a:p>
           <a:p>
             <a:pPr lvl="2"/>
             <a:r>
-              <a:rPr lang="en-US" smtClean="0"/>
+              <a:rPr lang="en-US"/>
               <a:t>Third level</a:t>
             </a:r>
           </a:p>
           <a:p>
             <a:pPr lvl="3"/>
             <a:r>
-              <a:rPr lang="en-US" smtClean="0"/>
+              <a:rPr lang="en-US"/>
               <a:t>Fourth level</a:t>
             </a:r>
           </a:p>
           <a:p>
             <a:pPr lvl="4"/>
             <a:r>
-              <a:rPr lang="en-US" smtClean="0"/>
+              <a:rPr lang="en-US"/>
               <a:t>Fifth level</a:t>
             </a:r>
             <a:endParaRPr lang="en-US" dirty="0"/>
@@ -3353,35 +3414,35 @@
           <a:p>
             <a:pPr lvl="0"/>
             <a:r>
-              <a:rPr lang="en-US" smtClean="0"/>
+              <a:rPr lang="en-US"/>
               <a:t>Edit Master text styles</a:t>
             </a:r>
           </a:p>
           <a:p>
             <a:pPr lvl="1"/>
             <a:r>
-              <a:rPr lang="en-US" smtClean="0"/>
+              <a:rPr lang="en-US"/>
               <a:t>Second level</a:t>
             </a:r>
           </a:p>
           <a:p>
             <a:pPr lvl="2"/>
             <a:r>
-              <a:rPr lang="en-US" smtClean="0"/>
+              <a:rPr lang="en-US"/>
               <a:t>Third level</a:t>
             </a:r>
           </a:p>
           <a:p>
             <a:pPr lvl="3"/>
             <a:r>
-              <a:rPr lang="en-US" smtClean="0"/>
+              <a:rPr lang="en-US"/>
               <a:t>Fourth level</a:t>
             </a:r>
           </a:p>
           <a:p>
             <a:pPr lvl="4"/>
             <a:r>
-              <a:rPr lang="en-US" smtClean="0"/>
+              <a:rPr lang="en-US"/>
               <a:t>Fifth level</a:t>
             </a:r>
             <a:endParaRPr lang="en-US" dirty="0"/>
@@ -3498,7 +3559,7 @@
           </a:lstStyle>
           <a:p>
             <a:r>
-              <a:rPr lang="en-US" smtClean="0"/>
+              <a:rPr lang="en-US"/>
               <a:t>Click to edit Master title style</a:t>
             </a:r>
             <a:endParaRPr lang="en-US" dirty="0"/>
@@ -3566,7 +3627,7 @@
           <a:p>
             <a:pPr lvl="0"/>
             <a:r>
-              <a:rPr lang="en-US" smtClean="0"/>
+              <a:rPr lang="en-US"/>
               <a:t>Edit Master text styles</a:t>
             </a:r>
           </a:p>
@@ -3596,35 +3657,35 @@
           <a:p>
             <a:pPr lvl="0"/>
             <a:r>
-              <a:rPr lang="en-US" smtClean="0"/>
+              <a:rPr lang="en-US"/>
               <a:t>Edit Master text styles</a:t>
             </a:r>
           </a:p>
           <a:p>
             <a:pPr lvl="1"/>
             <a:r>
-              <a:rPr lang="en-US" smtClean="0"/>
+              <a:rPr lang="en-US"/>
               <a:t>Second level</a:t>
             </a:r>
           </a:p>
           <a:p>
             <a:pPr lvl="2"/>
             <a:r>
-              <a:rPr lang="en-US" smtClean="0"/>
+              <a:rPr lang="en-US"/>
               <a:t>Third level</a:t>
             </a:r>
           </a:p>
           <a:p>
             <a:pPr lvl="3"/>
             <a:r>
-              <a:rPr lang="en-US" smtClean="0"/>
+              <a:rPr lang="en-US"/>
               <a:t>Fourth level</a:t>
             </a:r>
           </a:p>
           <a:p>
             <a:pPr lvl="4"/>
             <a:r>
-              <a:rPr lang="en-US" smtClean="0"/>
+              <a:rPr lang="en-US"/>
               <a:t>Fifth level</a:t>
             </a:r>
             <a:endParaRPr lang="en-US" dirty="0"/>
@@ -3692,7 +3753,7 @@
           <a:p>
             <a:pPr lvl="0"/>
             <a:r>
-              <a:rPr lang="en-US" smtClean="0"/>
+              <a:rPr lang="en-US"/>
               <a:t>Edit Master text styles</a:t>
             </a:r>
           </a:p>
@@ -3722,35 +3783,35 @@
           <a:p>
             <a:pPr lvl="0"/>
             <a:r>
-              <a:rPr lang="en-US" smtClean="0"/>
+              <a:rPr lang="en-US"/>
               <a:t>Edit Master text styles</a:t>
             </a:r>
           </a:p>
           <a:p>
             <a:pPr lvl="1"/>
             <a:r>
-              <a:rPr lang="en-US" smtClean="0"/>
+              <a:rPr lang="en-US"/>
               <a:t>Second level</a:t>
             </a:r>
           </a:p>
           <a:p>
             <a:pPr lvl="2"/>
             <a:r>
-              <a:rPr lang="en-US" smtClean="0"/>
+              <a:rPr lang="en-US"/>
               <a:t>Third level</a:t>
             </a:r>
           </a:p>
           <a:p>
             <a:pPr lvl="3"/>
             <a:r>
-              <a:rPr lang="en-US" smtClean="0"/>
+              <a:rPr lang="en-US"/>
               <a:t>Fourth level</a:t>
             </a:r>
           </a:p>
           <a:p>
             <a:pPr lvl="4"/>
             <a:r>
-              <a:rPr lang="en-US" smtClean="0"/>
+              <a:rPr lang="en-US"/>
               <a:t>Fifth level</a:t>
             </a:r>
             <a:endParaRPr lang="en-US" dirty="0"/>
@@ -3870,7 +3931,7 @@
           <a:lstStyle/>
           <a:p>
             <a:r>
-              <a:rPr lang="en-US" smtClean="0"/>
+              <a:rPr lang="en-US"/>
               <a:t>Click to edit Master title style</a:t>
             </a:r>
             <a:endParaRPr lang="en-US" dirty="0"/>
@@ -4088,7 +4149,7 @@
           </a:lstStyle>
           <a:p>
             <a:r>
-              <a:rPr lang="en-US" smtClean="0"/>
+              <a:rPr lang="en-US"/>
               <a:t>Click to edit Master title style</a:t>
             </a:r>
             <a:endParaRPr lang="en-US" dirty="0"/>
@@ -4119,35 +4180,35 @@
           <a:p>
             <a:pPr lvl="0"/>
             <a:r>
-              <a:rPr lang="en-US" smtClean="0"/>
+              <a:rPr lang="en-US"/>
               <a:t>Edit Master text styles</a:t>
             </a:r>
           </a:p>
           <a:p>
             <a:pPr lvl="1"/>
             <a:r>
-              <a:rPr lang="en-US" smtClean="0"/>
+              <a:rPr lang="en-US"/>
               <a:t>Second level</a:t>
             </a:r>
           </a:p>
           <a:p>
             <a:pPr lvl="2"/>
             <a:r>
-              <a:rPr lang="en-US" smtClean="0"/>
+              <a:rPr lang="en-US"/>
               <a:t>Third level</a:t>
             </a:r>
           </a:p>
           <a:p>
             <a:pPr lvl="3"/>
             <a:r>
-              <a:rPr lang="en-US" smtClean="0"/>
+              <a:rPr lang="en-US"/>
               <a:t>Fourth level</a:t>
             </a:r>
           </a:p>
           <a:p>
             <a:pPr lvl="4"/>
             <a:r>
-              <a:rPr lang="en-US" smtClean="0"/>
+              <a:rPr lang="en-US"/>
               <a:t>Fifth level</a:t>
             </a:r>
             <a:endParaRPr lang="en-US" dirty="0"/>
@@ -4215,7 +4276,7 @@
           <a:p>
             <a:pPr lvl="0"/>
             <a:r>
-              <a:rPr lang="en-US" smtClean="0"/>
+              <a:rPr lang="en-US"/>
               <a:t>Edit Master text styles</a:t>
             </a:r>
           </a:p>
@@ -4338,7 +4399,7 @@
           </a:lstStyle>
           <a:p>
             <a:r>
-              <a:rPr lang="en-US" smtClean="0"/>
+              <a:rPr lang="en-US"/>
               <a:t>Click to edit Master title style</a:t>
             </a:r>
             <a:endParaRPr lang="en-US" dirty="0"/>
@@ -4405,7 +4466,7 @@
           </a:lstStyle>
           <a:p>
             <a:r>
-              <a:rPr lang="en-US" smtClean="0"/>
+              <a:rPr lang="en-US"/>
               <a:t>Click icon to add picture</a:t>
             </a:r>
             <a:endParaRPr lang="en-US" dirty="0"/>
@@ -4473,7 +4534,7 @@
           <a:p>
             <a:pPr lvl="0"/>
             <a:r>
-              <a:rPr lang="en-US" smtClean="0"/>
+              <a:rPr lang="en-US"/>
               <a:t>Edit Master text styles</a:t>
             </a:r>
           </a:p>
@@ -4728,6 +4789,13 @@
               <a:schemeClr val="lt1"/>
             </a:fontRef>
           </p:style>
+          <p:txBody>
+            <a:bodyPr/>
+            <a:lstStyle/>
+            <a:p>
+              <a:endParaRPr lang="ro-RO"/>
+            </a:p>
+          </p:txBody>
         </p:sp>
         <p:sp>
           <p:nvSpPr>
@@ -4791,6 +4859,13 @@
               <a:schemeClr val="lt1"/>
             </a:fontRef>
           </p:style>
+          <p:txBody>
+            <a:bodyPr/>
+            <a:lstStyle/>
+            <a:p>
+              <a:endParaRPr lang="ro-RO"/>
+            </a:p>
+          </p:txBody>
         </p:sp>
         <p:sp>
           <p:nvSpPr>
@@ -4832,6 +4907,13 @@
               <a:schemeClr val="lt1"/>
             </a:fontRef>
           </p:style>
+          <p:txBody>
+            <a:bodyPr/>
+            <a:lstStyle/>
+            <a:p>
+              <a:endParaRPr lang="ro-RO"/>
+            </a:p>
+          </p:txBody>
         </p:sp>
         <p:sp>
           <p:nvSpPr>
@@ -4896,6 +4978,13 @@
               <a:schemeClr val="lt1"/>
             </a:fontRef>
           </p:style>
+          <p:txBody>
+            <a:bodyPr/>
+            <a:lstStyle/>
+            <a:p>
+              <a:endParaRPr lang="ro-RO"/>
+            </a:p>
+          </p:txBody>
         </p:sp>
         <p:sp>
           <p:nvSpPr>
@@ -4961,6 +5050,13 @@
               <a:schemeClr val="lt1"/>
             </a:fontRef>
           </p:style>
+          <p:txBody>
+            <a:bodyPr/>
+            <a:lstStyle/>
+            <a:p>
+              <a:endParaRPr lang="ro-RO"/>
+            </a:p>
+          </p:txBody>
         </p:sp>
         <p:sp>
           <p:nvSpPr>
@@ -5024,6 +5120,13 @@
               <a:schemeClr val="lt1"/>
             </a:fontRef>
           </p:style>
+          <p:txBody>
+            <a:bodyPr/>
+            <a:lstStyle/>
+            <a:p>
+              <a:endParaRPr lang="ro-RO"/>
+            </a:p>
+          </p:txBody>
         </p:sp>
         <p:sp>
           <p:nvSpPr>
@@ -5065,6 +5168,13 @@
               <a:schemeClr val="lt1"/>
             </a:fontRef>
           </p:style>
+          <p:txBody>
+            <a:bodyPr/>
+            <a:lstStyle/>
+            <a:p>
+              <a:endParaRPr lang="ro-RO"/>
+            </a:p>
+          </p:txBody>
         </p:sp>
         <p:sp>
           <p:nvSpPr>
@@ -5106,6 +5216,13 @@
               <a:schemeClr val="lt1"/>
             </a:fontRef>
           </p:style>
+          <p:txBody>
+            <a:bodyPr/>
+            <a:lstStyle/>
+            <a:p>
+              <a:endParaRPr lang="ro-RO"/>
+            </a:p>
+          </p:txBody>
         </p:sp>
       </p:grpSp>
       <p:sp>
@@ -5134,7 +5251,7 @@
           <a:lstStyle/>
           <a:p>
             <a:r>
-              <a:rPr lang="en-US" smtClean="0"/>
+              <a:rPr lang="en-US"/>
               <a:t>Click to edit Master title style</a:t>
             </a:r>
             <a:endParaRPr lang="en-US" dirty="0"/>
@@ -5168,35 +5285,35 @@
           <a:p>
             <a:pPr lvl="0"/>
             <a:r>
-              <a:rPr lang="en-US" smtClean="0"/>
+              <a:rPr lang="en-US"/>
               <a:t>Edit Master text styles</a:t>
             </a:r>
           </a:p>
           <a:p>
             <a:pPr lvl="1"/>
             <a:r>
-              <a:rPr lang="en-US" smtClean="0"/>
+              <a:rPr lang="en-US"/>
               <a:t>Second level</a:t>
             </a:r>
           </a:p>
           <a:p>
             <a:pPr lvl="2"/>
             <a:r>
-              <a:rPr lang="en-US" smtClean="0"/>
+              <a:rPr lang="en-US"/>
               <a:t>Third level</a:t>
             </a:r>
           </a:p>
           <a:p>
             <a:pPr lvl="3"/>
             <a:r>
-              <a:rPr lang="en-US" smtClean="0"/>
+              <a:rPr lang="en-US"/>
               <a:t>Fourth level</a:t>
             </a:r>
           </a:p>
           <a:p>
             <a:pPr lvl="4"/>
             <a:r>
-              <a:rPr lang="en-US" smtClean="0"/>
+              <a:rPr lang="en-US"/>
               <a:t>Fifth level</a:t>
             </a:r>
             <a:endParaRPr lang="en-US" dirty="0"/>
@@ -5778,10 +5895,6 @@
               <a:rPr lang="en-US" b="1" dirty="0"/>
               <a:t>Text-To-SQL System</a:t>
             </a:r>
-            <a:r>
-              <a:rPr lang="en-US" dirty="0"/>
-              <a:t/>
-            </a:r>
             <a:br>
               <a:rPr lang="en-US" dirty="0"/>
             </a:br>
@@ -5809,7 +5922,7 @@
         <p:spPr bwMode="auto">
           <a:xfrm>
             <a:off x="1507067" y="3999118"/>
-            <a:ext cx="5330305" cy="1200329"/>
+            <a:ext cx="6574236" cy="1200329"/>
           </a:xfrm>
           <a:prstGeom prst="rect">
             <a:avLst/>
@@ -5874,7 +5987,7 @@
               <a:tabLst/>
             </a:pPr>
             <a:r>
-              <a:rPr kumimoji="0" lang="en-US" altLang="en-US" sz="1800" b="0" i="0" u="none" strike="noStrike" cap="none" normalizeH="0" baseline="0" dirty="0" smtClean="0">
+              <a:rPr kumimoji="0" lang="en-US" altLang="en-US" sz="1800" b="0" i="0" u="none" strike="noStrike" cap="none" normalizeH="0" baseline="0" dirty="0">
                 <a:ln>
                   <a:noFill/>
                 </a:ln>
@@ -5905,7 +6018,7 @@
               <a:tabLst/>
             </a:pPr>
             <a:r>
-              <a:rPr kumimoji="0" lang="en-US" altLang="en-US" sz="1800" b="0" i="0" u="none" strike="noStrike" cap="none" normalizeH="0" baseline="0" dirty="0" smtClean="0">
+              <a:rPr kumimoji="0" lang="en-US" altLang="en-US" sz="1800" b="0" i="0" u="none" strike="noStrike" cap="none" normalizeH="0" baseline="0" dirty="0">
                 <a:ln>
                   <a:noFill/>
                 </a:ln>
@@ -5918,7 +6031,7 @@
               <a:t>Authors: Daniel</a:t>
             </a:r>
             <a:r>
-              <a:rPr kumimoji="0" lang="en-US" altLang="en-US" sz="1800" b="0" i="0" u="none" strike="noStrike" cap="none" normalizeH="0" dirty="0" smtClean="0">
+              <a:rPr kumimoji="0" lang="en-US" altLang="en-US" sz="1800" b="0" i="0" u="none" strike="noStrike" cap="none" normalizeH="0" dirty="0">
                 <a:ln>
                   <a:noFill/>
                 </a:ln>
@@ -5928,10 +6041,19 @@
                 <a:effectLst/>
                 <a:latin typeface="Arial" panose="020B0604020202020204" pitchFamily="34" charset="0"/>
               </a:rPr>
-              <a:t> </a:t>
-            </a:r>
-            <a:r>
-              <a:rPr kumimoji="0" lang="en-US" altLang="en-US" sz="1800" b="0" i="0" u="none" strike="noStrike" cap="none" normalizeH="0" dirty="0" err="1" smtClean="0">
+              <a:t> – </a:t>
+            </a:r>
+            <a:r>
+              <a:rPr lang="en-US" altLang="en-US" dirty="0">
+                <a:solidFill>
+                  <a:schemeClr val="tx1"/>
+                </a:solidFill>
+                <a:latin typeface="Arial" panose="020B0604020202020204" pitchFamily="34" charset="0"/>
+              </a:rPr>
+              <a:t>Dumitru </a:t>
+            </a:r>
+            <a:r>
+              <a:rPr kumimoji="0" lang="en-US" altLang="en-US" sz="1800" b="0" i="0" u="none" strike="noStrike" cap="none" normalizeH="0" dirty="0">
                 <a:ln>
                   <a:noFill/>
                 </a:ln>
@@ -5941,48 +6063,9 @@
                 <a:effectLst/>
                 <a:latin typeface="Arial" panose="020B0604020202020204" pitchFamily="34" charset="0"/>
               </a:rPr>
-              <a:t>Radu</a:t>
-            </a:r>
-            <a:r>
-              <a:rPr kumimoji="0" lang="en-US" altLang="en-US" sz="1800" b="0" i="0" u="none" strike="noStrike" cap="none" normalizeH="0" dirty="0" smtClean="0">
-                <a:ln>
-                  <a:noFill/>
-                </a:ln>
-                <a:solidFill>
-                  <a:schemeClr val="tx1"/>
-                </a:solidFill>
-                <a:effectLst/>
-                <a:latin typeface="Arial" panose="020B0604020202020204" pitchFamily="34" charset="0"/>
-              </a:rPr>
-              <a:t>, </a:t>
-            </a:r>
-            <a:r>
-              <a:rPr kumimoji="0" lang="en-US" altLang="en-US" sz="1800" b="0" i="0" u="none" strike="noStrike" cap="none" normalizeH="0" dirty="0" err="1" smtClean="0">
-                <a:ln>
-                  <a:noFill/>
-                </a:ln>
-                <a:solidFill>
-                  <a:schemeClr val="tx1"/>
-                </a:solidFill>
-                <a:effectLst/>
-                <a:latin typeface="Arial" panose="020B0604020202020204" pitchFamily="34" charset="0"/>
-              </a:rPr>
-              <a:t>Mihailescu</a:t>
-            </a:r>
-            <a:r>
-              <a:rPr kumimoji="0" lang="en-US" altLang="en-US" sz="1800" b="0" i="0" u="none" strike="noStrike" cap="none" normalizeH="0" dirty="0" smtClean="0">
-                <a:ln>
-                  <a:noFill/>
-                </a:ln>
-                <a:solidFill>
-                  <a:schemeClr val="tx1"/>
-                </a:solidFill>
-                <a:effectLst/>
-                <a:latin typeface="Arial" panose="020B0604020202020204" pitchFamily="34" charset="0"/>
-              </a:rPr>
-              <a:t> Dominic-Dorian</a:t>
-            </a:r>
-            <a:endParaRPr kumimoji="0" lang="en-US" altLang="en-US" sz="1800" b="0" i="0" u="none" strike="noStrike" cap="none" normalizeH="0" baseline="0" dirty="0" smtClean="0">
+              <a:t>Radu, Dominic – Dorian Mihailescu</a:t>
+            </a:r>
+            <a:endParaRPr kumimoji="0" lang="en-US" altLang="en-US" sz="1800" b="0" i="0" u="none" strike="noStrike" cap="none" normalizeH="0" baseline="0" dirty="0">
               <a:ln>
                 <a:noFill/>
               </a:ln>
@@ -6011,7 +6094,7 @@
               <a:tabLst/>
             </a:pPr>
             <a:r>
-              <a:rPr kumimoji="0" lang="en-US" altLang="en-US" sz="1800" b="0" i="0" u="none" strike="noStrike" cap="none" normalizeH="0" baseline="0" dirty="0" smtClean="0">
+              <a:rPr kumimoji="0" lang="en-US" altLang="en-US" sz="1800" b="0" i="0" u="none" strike="noStrike" cap="none" normalizeH="0" baseline="0" dirty="0">
                 <a:ln>
                   <a:noFill/>
                 </a:ln>
@@ -6042,7 +6125,7 @@
               <a:tabLst/>
             </a:pPr>
             <a:r>
-              <a:rPr kumimoji="0" lang="en-US" altLang="en-US" sz="1800" b="0" i="0" u="none" strike="noStrike" cap="none" normalizeH="0" baseline="0" dirty="0" smtClean="0">
+              <a:rPr kumimoji="0" lang="en-US" altLang="en-US" sz="1800" b="0" i="0" u="none" strike="noStrike" cap="none" normalizeH="0" baseline="0" dirty="0">
                 <a:ln>
                   <a:noFill/>
                 </a:ln>
@@ -6128,7 +6211,7 @@
               <a:buNone/>
             </a:pPr>
             <a:r>
-              <a:rPr lang="en-US" b="1" dirty="0" smtClean="0"/>
+              <a:rPr lang="en-US" b="1" dirty="0"/>
               <a:t>     Motivation</a:t>
             </a:r>
             <a:endParaRPr lang="en-US" dirty="0"/>
@@ -6150,7 +6233,7 @@
               <a:buNone/>
             </a:pPr>
             <a:r>
-              <a:rPr lang="en-US" b="1" dirty="0" smtClean="0"/>
+              <a:rPr lang="en-US" b="1" dirty="0"/>
               <a:t>     Goal</a:t>
             </a:r>
             <a:endParaRPr lang="en-US" dirty="0"/>
@@ -6253,12 +6336,8 @@
               <a:buNone/>
             </a:pPr>
             <a:r>
-              <a:rPr lang="en-US" b="1" dirty="0" smtClean="0"/>
-              <a:t>     What </a:t>
-            </a:r>
-            <a:r>
               <a:rPr lang="en-US" b="1" dirty="0"/>
-              <a:t>does the system do?</a:t>
+              <a:t>     What does the system do?</a:t>
             </a:r>
             <a:endParaRPr lang="en-US" dirty="0"/>
           </a:p>
@@ -6271,11 +6350,7 @@
           <a:p>
             <a:r>
               <a:rPr lang="en-US" dirty="0"/>
-              <a:t>Output: SQL query + query </a:t>
-            </a:r>
-            <a:r>
-              <a:rPr lang="en-US" dirty="0" smtClean="0"/>
-              <a:t>results</a:t>
+              <a:t>Output: SQL query + query results</a:t>
             </a:r>
           </a:p>
           <a:p>
@@ -6295,12 +6370,8 @@
               <a:buNone/>
             </a:pPr>
             <a:r>
-              <a:rPr lang="en-US" b="1" dirty="0" smtClean="0"/>
-              <a:t>     Main </a:t>
-            </a:r>
-            <a:r>
               <a:rPr lang="en-US" b="1" dirty="0"/>
-              <a:t>features</a:t>
+              <a:t>     Main features</a:t>
             </a:r>
             <a:endParaRPr lang="en-US" dirty="0"/>
           </a:p>
@@ -6398,12 +6469,8 @@
               <a:buNone/>
             </a:pPr>
             <a:r>
-              <a:rPr lang="en-US" b="1" dirty="0" smtClean="0"/>
-              <a:t>     Text-to-SQL </a:t>
-            </a:r>
-            <a:r>
               <a:rPr lang="en-US" b="1" dirty="0"/>
-              <a:t>Pipeline</a:t>
+              <a:t>     Text-to-SQL Pipeline</a:t>
             </a:r>
             <a:endParaRPr lang="en-US" dirty="0"/>
           </a:p>
@@ -6504,7 +6571,12 @@
             <p:ph idx="1"/>
           </p:nvPr>
         </p:nvSpPr>
-        <p:spPr/>
+        <p:spPr>
+          <a:xfrm>
+            <a:off x="677334" y="1371601"/>
+            <a:ext cx="8596668" cy="4669762"/>
+          </a:xfrm>
+        </p:spPr>
         <p:txBody>
           <a:bodyPr>
             <a:normAutofit fontScale="85000" lnSpcReduction="20000"/>
@@ -6515,11 +6587,11 @@
               <a:buNone/>
             </a:pPr>
             <a:r>
-              <a:rPr lang="en-US" b="1" dirty="0" smtClean="0"/>
+              <a:rPr lang="en-US" b="1" dirty="0"/>
               <a:t>     </a:t>
             </a:r>
             <a:r>
-              <a:rPr lang="en-US" sz="3000" b="1" dirty="0" smtClean="0"/>
+              <a:rPr lang="en-US" sz="3000" b="1" dirty="0"/>
               <a:t>Supported Providers :</a:t>
             </a:r>
             <a:endParaRPr lang="en-US" sz="3000" dirty="0"/>
@@ -6559,14 +6631,26 @@
             <a:pPr lvl="1"/>
             <a:r>
               <a:rPr lang="en-US" dirty="0"/>
-              <a:t>phi3</a:t>
-            </a:r>
+              <a:t>P</a:t>
+            </a:r>
+            <a:r>
+              <a:rPr lang="en-US"/>
+              <a:t>hi3</a:t>
+            </a:r>
+            <a:endParaRPr lang="en-US" dirty="0"/>
           </a:p>
           <a:p>
             <a:pPr lvl="1"/>
             <a:r>
+              <a:rPr lang="en-US" dirty="0"/>
+              <a:t>Qwen</a:t>
+            </a:r>
+          </a:p>
+          <a:p>
+            <a:pPr lvl="1"/>
+            <a:r>
               <a:rPr lang="en-US" dirty="0" err="1"/>
-              <a:t>qwen</a:t>
+              <a:t>Codellama</a:t>
             </a:r>
             <a:endParaRPr lang="en-US" dirty="0"/>
           </a:p>
@@ -6574,20 +6658,31 @@
             <a:pPr lvl="1"/>
             <a:r>
               <a:rPr lang="en-US" dirty="0" err="1"/>
-              <a:t>codellama</a:t>
+              <a:t>DuckDB</a:t>
             </a:r>
             <a:endParaRPr lang="en-US" dirty="0"/>
           </a:p>
           <a:p>
             <a:pPr lvl="1"/>
             <a:r>
-              <a:rPr lang="en-US" dirty="0" err="1" smtClean="0"/>
-              <a:t>Starcoder</a:t>
-            </a:r>
-            <a:endParaRPr lang="en-US" dirty="0" smtClean="0"/>
+              <a:rPr lang="en-US" dirty="0" err="1"/>
+              <a:t>Deepseek</a:t>
+            </a:r>
+            <a:r>
+              <a:rPr lang="en-US" dirty="0"/>
+              <a:t>-Coder</a:t>
+            </a:r>
           </a:p>
           <a:p>
             <a:pPr lvl="1"/>
+            <a:r>
+              <a:rPr lang="en-US" dirty="0" err="1"/>
+              <a:t>HridaAI</a:t>
+            </a:r>
+            <a:endParaRPr lang="en-US" dirty="0"/>
+          </a:p>
+          <a:p>
+            <a:pPr lvl="1"/>
             <a:endParaRPr lang="en-US" dirty="0"/>
           </a:p>
           <a:p>
@@ -6595,12 +6690,8 @@
               <a:buNone/>
             </a:pPr>
             <a:r>
-              <a:rPr lang="en-US" sz="2400" b="1" dirty="0" smtClean="0"/>
-              <a:t>      Key </a:t>
-            </a:r>
-            <a:r>
               <a:rPr lang="en-US" sz="2400" b="1" dirty="0"/>
-              <a:t>idea</a:t>
+              <a:t>      Key idea</a:t>
             </a:r>
             <a:endParaRPr lang="en-US" sz="2400" dirty="0"/>
           </a:p>
@@ -6734,13 +6825,6 @@
   <p:clrMapOvr>
     <a:masterClrMapping/>
   </p:clrMapOvr>
-  <p:timing>
-    <p:tnLst>
-      <p:par>
-        <p:cTn id="1" dur="indefinite" restart="never" nodeType="tmRoot"/>
-      </p:par>
-    </p:tnLst>
-  </p:timing>
 </p:sld>
 </file>
 
@@ -6802,12 +6886,8 @@
               <a:buNone/>
             </a:pPr>
             <a:r>
-              <a:rPr lang="en-US" b="1" dirty="0" smtClean="0"/>
-              <a:t>     Why </a:t>
-            </a:r>
-            <a:r>
               <a:rPr lang="en-US" b="1" dirty="0"/>
-              <a:t>validation matters</a:t>
+              <a:t>     Why validation matters</a:t>
             </a:r>
             <a:endParaRPr lang="en-US" dirty="0"/>
           </a:p>
@@ -6820,11 +6900,7 @@
           <a:p>
             <a:r>
               <a:rPr lang="en-US" dirty="0"/>
-              <a:t>Ensure reliable </a:t>
-            </a:r>
-            <a:r>
-              <a:rPr lang="en-US" dirty="0" smtClean="0"/>
-              <a:t>execution</a:t>
+              <a:t>Ensure reliable execution</a:t>
             </a:r>
           </a:p>
           <a:p>
@@ -6838,12 +6914,8 @@
               <a:buNone/>
             </a:pPr>
             <a:r>
-              <a:rPr lang="en-US" b="1" dirty="0" smtClean="0"/>
-              <a:t>     Validation </a:t>
-            </a:r>
-            <a:r>
               <a:rPr lang="en-US" b="1" dirty="0"/>
-              <a:t>steps</a:t>
+              <a:t>     Validation steps</a:t>
             </a:r>
             <a:endParaRPr lang="en-US" dirty="0"/>
           </a:p>
@@ -6896,13 +6968,6 @@
   <p:clrMapOvr>
     <a:masterClrMapping/>
   </p:clrMapOvr>
-  <p:timing>
-    <p:tnLst>
-      <p:par>
-        <p:cTn id="1" dur="indefinite" restart="never" nodeType="tmRoot"/>
-      </p:par>
-    </p:tnLst>
-  </p:timing>
 </p:sld>
 </file>
 
@@ -6940,15 +7005,7 @@
           <a:p>
             <a:r>
               <a:rPr lang="en-US" dirty="0"/>
-              <a:t>Evaluation </a:t>
-            </a:r>
-            <a:r>
-              <a:rPr lang="en-US" dirty="0" smtClean="0"/>
-              <a:t>and </a:t>
-            </a:r>
-            <a:r>
-              <a:rPr lang="en-US" dirty="0"/>
-              <a:t>Results</a:t>
+              <a:t>Evaluation and Results</a:t>
             </a:r>
           </a:p>
         </p:txBody>
@@ -6992,11 +7049,7 @@
           <a:p>
             <a:r>
               <a:rPr lang="en-US" dirty="0"/>
-              <a:t>Error </a:t>
-            </a:r>
-            <a:r>
-              <a:rPr lang="en-US" dirty="0" smtClean="0"/>
-              <a:t>breakdowns</a:t>
+              <a:t>Error breakdowns</a:t>
             </a:r>
           </a:p>
           <a:p>
@@ -7065,13 +7118,6 @@
   <p:clrMapOvr>
     <a:masterClrMapping/>
   </p:clrMapOvr>
-  <p:timing>
-    <p:tnLst>
-      <p:par>
-        <p:cTn id="1" dur="indefinite" restart="never" nodeType="tmRoot"/>
-      </p:par>
-    </p:tnLst>
-  </p:timing>
 </p:sld>
 </file>
 
@@ -7143,11 +7189,7 @@
           <a:p>
             <a:r>
               <a:rPr lang="en-US" dirty="0"/>
-              <a:t>Strong benchmarking </a:t>
-            </a:r>
-            <a:r>
-              <a:rPr lang="en-US" dirty="0" smtClean="0"/>
-              <a:t>support</a:t>
+              <a:t>Strong benchmarking support</a:t>
             </a:r>
           </a:p>
           <a:p>
@@ -7158,12 +7200,8 @@
               <a:buNone/>
             </a:pPr>
             <a:r>
-              <a:rPr lang="en-US" b="1" dirty="0" smtClean="0"/>
-              <a:t>Future </a:t>
-            </a:r>
-            <a:r>
               <a:rPr lang="en-US" b="1" dirty="0"/>
-              <a:t>Improvements</a:t>
+              <a:t>Future Improvements</a:t>
             </a:r>
             <a:endParaRPr lang="en-US" dirty="0"/>
           </a:p>
@@ -7206,13 +7244,6 @@
   <p:clrMapOvr>
     <a:masterClrMapping/>
   </p:clrMapOvr>
-  <p:timing>
-    <p:tnLst>
-      <p:par>
-        <p:cTn id="1" dur="indefinite" restart="never" nodeType="tmRoot"/>
-      </p:par>
-    </p:tnLst>
-  </p:timing>
 </p:sld>
 </file>
 
